--- a/cover.pptx
+++ b/cover.pptx
@@ -11,7 +11,7 @@
     <p:handoutMasterId r:id="rId4"/>
   </p:handoutMasterIdLst>
   <p:sldIdLst>
-    <p:sldId id="308" r:id="rId2"/>
+    <p:sldId id="309" r:id="rId2"/>
   </p:sldIdLst>
   <p:sldSz cx="9144000" cy="6858000" type="screen4x3"/>
   <p:notesSz cx="7010400" cy="9296400"/>
@@ -115,7 +115,7 @@
       <p14:sectionLst xmlns:p14="http://schemas.microsoft.com/office/powerpoint/2010/main">
         <p14:section name="Default Section" id="{428914A3-65CE-47F5-9499-2FC9D5407635}">
           <p14:sldIdLst>
-            <p14:sldId id="308"/>
+            <p14:sldId id="309"/>
           </p14:sldIdLst>
         </p14:section>
       </p14:sectionLst>
@@ -211,7 +211,7 @@
 <file path=ppt/revisionInfo.xml><?xml version="1.0" encoding="utf-8"?>
 <p1510:revInfo xmlns:a="http://schemas.openxmlformats.org/drawingml/2006/main" xmlns:r="http://schemas.openxmlformats.org/officeDocument/2006/relationships" xmlns:p1510="http://schemas.microsoft.com/office/powerpoint/2015/10/main">
   <p1510:revLst>
-    <p1510:client id="{797AF359-FCCE-4300-8215-3117853B3755}" v="63" dt="2024-08-23T21:07:56.878"/>
+    <p1510:client id="{C67AB047-E756-4E4F-BBFA-3B90754CBD4B}" v="1" dt="2025-06-03T02:14:34.164"/>
   </p1510:revLst>
 </p1510:revInfo>
 </file>
@@ -231,14 +231,6 @@
           <pc:docMk/>
           <pc:sldMk cId="322754889" sldId="308"/>
         </pc:sldMkLst>
-        <pc:spChg chg="mod">
-          <ac:chgData name="Luo, Eric" userId="4807d76e-976e-49bc-97e4-98ab6310606c" providerId="ADAL" clId="{797AF359-FCCE-4300-8215-3117853B3755}" dt="2024-08-23T19:59:50.634" v="68" actId="6549"/>
-          <ac:spMkLst>
-            <pc:docMk/>
-            <pc:sldMk cId="322754889" sldId="308"/>
-            <ac:spMk id="4" creationId="{00000000-0000-0000-0000-000000000000}"/>
-          </ac:spMkLst>
-        </pc:spChg>
       </pc:sldChg>
       <pc:sldChg chg="new del">
         <pc:chgData name="Luo, Eric" userId="4807d76e-976e-49bc-97e4-98ab6310606c" providerId="ADAL" clId="{797AF359-FCCE-4300-8215-3117853B3755}" dt="2024-08-23T21:07:54.004" v="184" actId="47"/>
@@ -631,70 +623,6 @@
           <pc:docMk/>
           <pc:sldMasterMk cId="0" sldId="2147483648"/>
         </pc:sldMasterMkLst>
-        <pc:spChg chg="add del mod ord modVis">
-          <ac:chgData name="Luo, Eric" userId="4807d76e-976e-49bc-97e4-98ab6310606c" providerId="ADAL" clId="{797AF359-FCCE-4300-8215-3117853B3755}" dt="2024-08-23T21:07:00.975" v="99"/>
-          <ac:spMkLst>
-            <pc:docMk/>
-            <pc:sldMasterMk cId="0" sldId="2147483648"/>
-            <ac:spMk id="2" creationId="{99AC2473-C40B-A626-83CD-5584C7AEB5C3}"/>
-          </ac:spMkLst>
-        </pc:spChg>
-        <pc:spChg chg="add del mod ord modVis">
-          <ac:chgData name="Luo, Eric" userId="4807d76e-976e-49bc-97e4-98ab6310606c" providerId="ADAL" clId="{797AF359-FCCE-4300-8215-3117853B3755}" dt="2024-08-23T19:03:49.139" v="41"/>
-          <ac:spMkLst>
-            <pc:docMk/>
-            <pc:sldMasterMk cId="0" sldId="2147483648"/>
-            <ac:spMk id="2" creationId="{FD487279-6C1E-2A48-DC0B-7DCC36F16BE6}"/>
-          </ac:spMkLst>
-        </pc:spChg>
-        <pc:spChg chg="add del mod ord modVis">
-          <ac:chgData name="Luo, Eric" userId="4807d76e-976e-49bc-97e4-98ab6310606c" providerId="ADAL" clId="{797AF359-FCCE-4300-8215-3117853B3755}" dt="2024-08-23T21:07:10.814" v="128"/>
-          <ac:spMkLst>
-            <pc:docMk/>
-            <pc:sldMasterMk cId="0" sldId="2147483648"/>
-            <ac:spMk id="4" creationId="{32CE2AC8-5D01-290F-886C-45124E28B366}"/>
-          </ac:spMkLst>
-        </pc:spChg>
-        <pc:spChg chg="add del mod ord modVis">
-          <ac:chgData name="Luo, Eric" userId="4807d76e-976e-49bc-97e4-98ab6310606c" providerId="ADAL" clId="{797AF359-FCCE-4300-8215-3117853B3755}" dt="2024-08-23T20:00:01.571" v="70"/>
-          <ac:spMkLst>
-            <pc:docMk/>
-            <pc:sldMasterMk cId="0" sldId="2147483648"/>
-            <ac:spMk id="4" creationId="{BD7062FA-966E-FD1E-2A4F-65D8912DF9EF}"/>
-          </ac:spMkLst>
-        </pc:spChg>
-        <pc:spChg chg="add del mod ord modVis">
-          <ac:chgData name="Luo, Eric" userId="4807d76e-976e-49bc-97e4-98ab6310606c" providerId="ADAL" clId="{797AF359-FCCE-4300-8215-3117853B3755}" dt="2024-08-23T21:07:36.683" v="157"/>
-          <ac:spMkLst>
-            <pc:docMk/>
-            <pc:sldMasterMk cId="0" sldId="2147483648"/>
-            <ac:spMk id="5" creationId="{5AE6E2F3-2DC4-ED12-BAD4-4C9126569A0B}"/>
-          </ac:spMkLst>
-        </pc:spChg>
-        <pc:spChg chg="add del mod ord modVis">
-          <ac:chgData name="Luo, Eric" userId="4807d76e-976e-49bc-97e4-98ab6310606c" providerId="ADAL" clId="{797AF359-FCCE-4300-8215-3117853B3755}" dt="2024-08-23T21:07:56.859" v="186"/>
-          <ac:spMkLst>
-            <pc:docMk/>
-            <pc:sldMasterMk cId="0" sldId="2147483648"/>
-            <ac:spMk id="6" creationId="{714891F5-C2B2-9706-10BC-1B4DE8E11818}"/>
-          </ac:spMkLst>
-        </pc:spChg>
-        <pc:spChg chg="add mod ord modVis">
-          <ac:chgData name="Luo, Eric" userId="4807d76e-976e-49bc-97e4-98ab6310606c" providerId="ADAL" clId="{797AF359-FCCE-4300-8215-3117853B3755}" dt="2024-08-23T21:07:56.878" v="212"/>
-          <ac:spMkLst>
-            <pc:docMk/>
-            <pc:sldMasterMk cId="0" sldId="2147483648"/>
-            <ac:spMk id="7" creationId="{AD639053-8BAD-8DE0-E3D2-9624FE9222FE}"/>
-          </ac:spMkLst>
-        </pc:spChg>
-        <pc:spChg chg="del">
-          <ac:chgData name="Luo, Eric" userId="4807d76e-976e-49bc-97e4-98ab6310606c" providerId="ADAL" clId="{797AF359-FCCE-4300-8215-3117853B3755}" dt="2024-08-23T19:03:34.152" v="12"/>
-          <ac:spMkLst>
-            <pc:docMk/>
-            <pc:sldMasterMk cId="0" sldId="2147483648"/>
-            <ac:spMk id="7" creationId="{EC830731-2961-C637-9B6A-9D1BB8EA716D}"/>
-          </ac:spMkLst>
-        </pc:spChg>
         <pc:sldLayoutChg chg="del">
           <pc:chgData name="Luo, Eric" userId="4807d76e-976e-49bc-97e4-98ab6310606c" providerId="ADAL" clId="{797AF359-FCCE-4300-8215-3117853B3755}" dt="2024-08-23T19:03:46.078" v="39" actId="47"/>
           <pc:sldLayoutMkLst>
@@ -702,6 +630,128 @@
             <pc:sldMasterMk cId="0" sldId="2147483648"/>
             <pc:sldLayoutMk cId="1385586460" sldId="2147483662"/>
           </pc:sldLayoutMkLst>
+        </pc:sldLayoutChg>
+      </pc:sldMasterChg>
+    </pc:docChg>
+  </pc:docChgLst>
+  <pc:docChgLst>
+    <pc:chgData name="Haining Zha" userId="8e822d9cfdb6ab9f" providerId="LiveId" clId="{C67AB047-E756-4E4F-BBFA-3B90754CBD4B}"/>
+    <pc:docChg chg="undo custSel addSld delSld modSld modMainMaster modSection">
+      <pc:chgData name="Haining Zha" userId="8e822d9cfdb6ab9f" providerId="LiveId" clId="{C67AB047-E756-4E4F-BBFA-3B90754CBD4B}" dt="2025-06-03T02:14:34.164" v="50" actId="207"/>
+      <pc:docMkLst>
+        <pc:docMk/>
+      </pc:docMkLst>
+      <pc:sldChg chg="addSp delSp modSp del mod">
+        <pc:chgData name="Haining Zha" userId="8e822d9cfdb6ab9f" providerId="LiveId" clId="{C67AB047-E756-4E4F-BBFA-3B90754CBD4B}" dt="2025-06-03T02:03:59.321" v="49" actId="47"/>
+        <pc:sldMkLst>
+          <pc:docMk/>
+          <pc:sldMk cId="322754889" sldId="308"/>
+        </pc:sldMkLst>
+        <pc:spChg chg="add del mod">
+          <ac:chgData name="Haining Zha" userId="8e822d9cfdb6ab9f" providerId="LiveId" clId="{C67AB047-E756-4E4F-BBFA-3B90754CBD4B}" dt="2025-06-03T01:32:10.184" v="1" actId="478"/>
+          <ac:spMkLst>
+            <pc:docMk/>
+            <pc:sldMk cId="322754889" sldId="308"/>
+            <ac:spMk id="3" creationId="{82C886AF-985D-CCC0-ACD6-87F9CAB096E2}"/>
+          </ac:spMkLst>
+        </pc:spChg>
+        <pc:spChg chg="mod">
+          <ac:chgData name="Haining Zha" userId="8e822d9cfdb6ab9f" providerId="LiveId" clId="{C67AB047-E756-4E4F-BBFA-3B90754CBD4B}" dt="2025-06-03T01:32:55.354" v="43" actId="20577"/>
+          <ac:spMkLst>
+            <pc:docMk/>
+            <pc:sldMk cId="322754889" sldId="308"/>
+            <ac:spMk id="4" creationId="{00000000-0000-0000-0000-000000000000}"/>
+          </ac:spMkLst>
+        </pc:spChg>
+        <pc:spChg chg="add del">
+          <ac:chgData name="Haining Zha" userId="8e822d9cfdb6ab9f" providerId="LiveId" clId="{C67AB047-E756-4E4F-BBFA-3B90754CBD4B}" dt="2025-06-03T01:32:12.676" v="2" actId="478"/>
+          <ac:spMkLst>
+            <pc:docMk/>
+            <pc:sldMk cId="322754889" sldId="308"/>
+            <ac:spMk id="5" creationId="{00000000-0000-0000-0000-000000000000}"/>
+          </ac:spMkLst>
+        </pc:spChg>
+        <pc:spChg chg="add del mod">
+          <ac:chgData name="Haining Zha" userId="8e822d9cfdb6ab9f" providerId="LiveId" clId="{C67AB047-E756-4E4F-BBFA-3B90754CBD4B}" dt="2025-06-03T01:32:15.447" v="3" actId="478"/>
+          <ac:spMkLst>
+            <pc:docMk/>
+            <pc:sldMk cId="322754889" sldId="308"/>
+            <ac:spMk id="7" creationId="{105B8516-FE82-8F64-6E42-3BA02236284E}"/>
+          </ac:spMkLst>
+        </pc:spChg>
+        <pc:spChg chg="mod">
+          <ac:chgData name="Haining Zha" userId="8e822d9cfdb6ab9f" providerId="LiveId" clId="{C67AB047-E756-4E4F-BBFA-3B90754CBD4B}" dt="2025-06-03T01:33:01.201" v="44" actId="1076"/>
+          <ac:spMkLst>
+            <pc:docMk/>
+            <pc:sldMk cId="322754889" sldId="308"/>
+            <ac:spMk id="8" creationId="{00000000-0000-0000-0000-000000000000}"/>
+          </ac:spMkLst>
+        </pc:spChg>
+      </pc:sldChg>
+      <pc:sldChg chg="new">
+        <pc:chgData name="Haining Zha" userId="8e822d9cfdb6ab9f" providerId="LiveId" clId="{C67AB047-E756-4E4F-BBFA-3B90754CBD4B}" dt="2025-06-03T02:03:49.204" v="48" actId="680"/>
+        <pc:sldMkLst>
+          <pc:docMk/>
+          <pc:sldMk cId="4198715769" sldId="309"/>
+        </pc:sldMkLst>
+      </pc:sldChg>
+      <pc:sldMasterChg chg="modSldLayout">
+        <pc:chgData name="Haining Zha" userId="8e822d9cfdb6ab9f" providerId="LiveId" clId="{C67AB047-E756-4E4F-BBFA-3B90754CBD4B}" dt="2025-06-03T02:14:34.164" v="50" actId="207"/>
+        <pc:sldMasterMkLst>
+          <pc:docMk/>
+          <pc:sldMasterMk cId="0" sldId="2147483648"/>
+        </pc:sldMasterMkLst>
+        <pc:sldLayoutChg chg="delSp mod">
+          <pc:chgData name="Haining Zha" userId="8e822d9cfdb6ab9f" providerId="LiveId" clId="{C67AB047-E756-4E4F-BBFA-3B90754CBD4B}" dt="2025-06-03T02:02:56.869" v="47" actId="478"/>
+          <pc:sldLayoutMkLst>
+            <pc:docMk/>
+            <pc:sldMasterMk cId="0" sldId="2147483648"/>
+            <pc:sldLayoutMk cId="0" sldId="2147483650"/>
+          </pc:sldLayoutMkLst>
+          <pc:spChg chg="del">
+            <ac:chgData name="Haining Zha" userId="8e822d9cfdb6ab9f" providerId="LiveId" clId="{C67AB047-E756-4E4F-BBFA-3B90754CBD4B}" dt="2025-06-03T02:02:43.724" v="45" actId="478"/>
+            <ac:spMkLst>
+              <pc:docMk/>
+              <pc:sldMasterMk cId="0" sldId="2147483648"/>
+              <pc:sldLayoutMk cId="0" sldId="2147483650"/>
+              <ac:spMk id="3" creationId="{00000000-0000-0000-0000-000000000000}"/>
+            </ac:spMkLst>
+          </pc:spChg>
+          <pc:spChg chg="del">
+            <ac:chgData name="Haining Zha" userId="8e822d9cfdb6ab9f" providerId="LiveId" clId="{C67AB047-E756-4E4F-BBFA-3B90754CBD4B}" dt="2025-06-03T02:02:50.548" v="46" actId="478"/>
+            <ac:spMkLst>
+              <pc:docMk/>
+              <pc:sldMasterMk cId="0" sldId="2147483648"/>
+              <pc:sldLayoutMk cId="0" sldId="2147483650"/>
+              <ac:spMk id="14" creationId="{00000000-0000-0000-0000-000000000000}"/>
+            </ac:spMkLst>
+          </pc:spChg>
+          <pc:spChg chg="del">
+            <ac:chgData name="Haining Zha" userId="8e822d9cfdb6ab9f" providerId="LiveId" clId="{C67AB047-E756-4E4F-BBFA-3B90754CBD4B}" dt="2025-06-03T02:02:56.869" v="47" actId="478"/>
+            <ac:spMkLst>
+              <pc:docMk/>
+              <pc:sldMasterMk cId="0" sldId="2147483648"/>
+              <pc:sldLayoutMk cId="0" sldId="2147483650"/>
+              <ac:spMk id="19" creationId="{00000000-0000-0000-0000-000000000000}"/>
+            </ac:spMkLst>
+          </pc:spChg>
+        </pc:sldLayoutChg>
+        <pc:sldLayoutChg chg="modSp">
+          <pc:chgData name="Haining Zha" userId="8e822d9cfdb6ab9f" providerId="LiveId" clId="{C67AB047-E756-4E4F-BBFA-3B90754CBD4B}" dt="2025-06-03T02:14:34.164" v="50" actId="207"/>
+          <pc:sldLayoutMkLst>
+            <pc:docMk/>
+            <pc:sldMasterMk cId="0" sldId="2147483648"/>
+            <pc:sldLayoutMk cId="0" sldId="2147483652"/>
+          </pc:sldLayoutMkLst>
+          <pc:spChg chg="mod">
+            <ac:chgData name="Haining Zha" userId="8e822d9cfdb6ab9f" providerId="LiveId" clId="{C67AB047-E756-4E4F-BBFA-3B90754CBD4B}" dt="2025-06-03T02:14:34.164" v="50" actId="207"/>
+            <ac:spMkLst>
+              <pc:docMk/>
+              <pc:sldMasterMk cId="0" sldId="2147483648"/>
+              <pc:sldLayoutMk cId="0" sldId="2147483652"/>
+              <ac:spMk id="14" creationId="{00000000-0000-0000-0000-000000000000}"/>
+            </ac:spMkLst>
+          </pc:spChg>
         </pc:sldLayoutChg>
       </pc:sldMasterChg>
     </pc:docChg>
@@ -791,7 +841,7 @@
           <a:p>
             <a:fld id="{7ECBC33E-7492-47EF-814C-A80BE9487D9C}" type="datetimeFigureOut">
               <a:rPr lang="en-US"/>
-              <a:t>8/26/2024</a:t>
+              <a:t>6/2/2025</a:t>
             </a:fld>
             <a:endParaRPr dirty="0"/>
           </a:p>
@@ -957,7 +1007,7 @@
             <a:fld id="{7947DF80-D345-4C6A-B0F8-E6F03195C21B}" type="datetimeFigureOut">
               <a:rPr lang="en-US"/>
               <a:pPr/>
-              <a:t>8/26/2024</a:t>
+              <a:t>6/2/2025</a:t>
             </a:fld>
             <a:endParaRPr dirty="0"/>
           </a:p>
@@ -1222,91 +1272,6 @@
 </p:notesMaster>
 </file>
 
-<file path=ppt/notesSlides/notesSlide1.xml><?xml version="1.0" encoding="utf-8"?>
-<p:notes xmlns:a="http://schemas.openxmlformats.org/drawingml/2006/main" xmlns:r="http://schemas.openxmlformats.org/officeDocument/2006/relationships" xmlns:p="http://schemas.openxmlformats.org/presentationml/2006/main">
-  <p:cSld>
-    <p:spTree>
-      <p:nvGrpSpPr>
-        <p:cNvPr id="1" name=""/>
-        <p:cNvGrpSpPr/>
-        <p:nvPr/>
-      </p:nvGrpSpPr>
-      <p:grpSpPr>
-        <a:xfrm>
-          <a:off x="0" y="0"/>
-          <a:ext cx="0" cy="0"/>
-          <a:chOff x="0" y="0"/>
-          <a:chExt cx="0" cy="0"/>
-        </a:xfrm>
-      </p:grpSpPr>
-      <p:sp>
-        <p:nvSpPr>
-          <p:cNvPr id="2" name="Slide Image Placeholder 1"/>
-          <p:cNvSpPr>
-            <a:spLocks noGrp="1" noRot="1" noChangeAspect="1"/>
-          </p:cNvSpPr>
-          <p:nvPr>
-            <p:ph type="sldImg"/>
-          </p:nvPr>
-        </p:nvSpPr>
-        <p:spPr/>
-      </p:sp>
-      <p:sp>
-        <p:nvSpPr>
-          <p:cNvPr id="3" name="Notes Placeholder 2"/>
-          <p:cNvSpPr>
-            <a:spLocks noGrp="1"/>
-          </p:cNvSpPr>
-          <p:nvPr>
-            <p:ph type="body" idx="1"/>
-          </p:nvPr>
-        </p:nvSpPr>
-        <p:spPr/>
-        <p:txBody>
-          <a:bodyPr/>
-          <a:lstStyle/>
-          <a:p>
-            <a:endParaRPr lang="en-US" dirty="0"/>
-          </a:p>
-        </p:txBody>
-      </p:sp>
-      <p:sp>
-        <p:nvSpPr>
-          <p:cNvPr id="4" name="Slide Number Placeholder 3"/>
-          <p:cNvSpPr>
-            <a:spLocks noGrp="1"/>
-          </p:cNvSpPr>
-          <p:nvPr>
-            <p:ph type="sldNum" sz="quarter" idx="5"/>
-          </p:nvPr>
-        </p:nvSpPr>
-        <p:spPr/>
-        <p:txBody>
-          <a:bodyPr/>
-          <a:lstStyle/>
-          <a:p>
-            <a:fld id="{60625642-F0AF-4361-B339-24EC26CA9B06}" type="slidenum">
-              <a:rPr lang="en-US" smtClean="0"/>
-              <a:pPr/>
-              <a:t>1</a:t>
-            </a:fld>
-            <a:endParaRPr lang="en-US" dirty="0"/>
-          </a:p>
-        </p:txBody>
-      </p:sp>
-    </p:spTree>
-    <p:extLst>
-      <p:ext uri="{BB962C8B-B14F-4D97-AF65-F5344CB8AC3E}">
-        <p14:creationId xmlns:p14="http://schemas.microsoft.com/office/powerpoint/2010/main" val="3488319366"/>
-      </p:ext>
-    </p:extLst>
-  </p:cSld>
-  <p:clrMapOvr>
-    <a:masterClrMapping/>
-  </p:clrMapOvr>
-</p:notes>
-</file>
-
 <file path=ppt/slideLayouts/slideLayout1.xml><?xml version="1.0" encoding="utf-8"?>
 <p:sldLayout xmlns:a="http://schemas.openxmlformats.org/drawingml/2006/main" xmlns:r="http://schemas.openxmlformats.org/officeDocument/2006/relationships" xmlns:p="http://schemas.openxmlformats.org/presentationml/2006/main" showMasterSp="0" preserve="1">
   <p:cSld name="Title Slide">
@@ -1664,151 +1629,6 @@
       </p:grpSpPr>
       <p:sp>
         <p:nvSpPr>
-          <p:cNvPr id="3" name="Content Placeholder 2"/>
-          <p:cNvSpPr>
-            <a:spLocks noGrp="1"/>
-          </p:cNvSpPr>
-          <p:nvPr>
-            <p:ph idx="1"/>
-          </p:nvPr>
-        </p:nvSpPr>
-        <p:spPr/>
-        <p:txBody>
-          <a:bodyPr/>
-          <a:lstStyle>
-            <a:lvl1pPr>
-              <a:buClr>
-                <a:srgbClr val="808083"/>
-              </a:buClr>
-              <a:defRPr>
-                <a:solidFill>
-                  <a:srgbClr val="000000"/>
-                </a:solidFill>
-              </a:defRPr>
-            </a:lvl1pPr>
-            <a:lvl2pPr>
-              <a:buClr>
-                <a:srgbClr val="808083"/>
-              </a:buClr>
-              <a:defRPr>
-                <a:solidFill>
-                  <a:srgbClr val="000000"/>
-                </a:solidFill>
-              </a:defRPr>
-            </a:lvl2pPr>
-            <a:lvl3pPr>
-              <a:buClr>
-                <a:srgbClr val="808083"/>
-              </a:buClr>
-              <a:defRPr>
-                <a:solidFill>
-                  <a:srgbClr val="000000"/>
-                </a:solidFill>
-              </a:defRPr>
-            </a:lvl3pPr>
-            <a:lvl4pPr>
-              <a:buClr>
-                <a:srgbClr val="808083"/>
-              </a:buClr>
-              <a:defRPr>
-                <a:solidFill>
-                  <a:srgbClr val="000000"/>
-                </a:solidFill>
-              </a:defRPr>
-            </a:lvl4pPr>
-            <a:lvl5pPr>
-              <a:buClr>
-                <a:srgbClr val="808083"/>
-              </a:buClr>
-              <a:defRPr>
-                <a:solidFill>
-                  <a:srgbClr val="000000"/>
-                </a:solidFill>
-              </a:defRPr>
-            </a:lvl5pPr>
-            <a:lvl6pPr>
-              <a:defRPr/>
-            </a:lvl6pPr>
-            <a:lvl8pPr>
-              <a:defRPr/>
-            </a:lvl8pPr>
-            <a:lvl9pPr>
-              <a:defRPr/>
-            </a:lvl9pPr>
-          </a:lstStyle>
-          <a:p>
-            <a:pPr lvl="0"/>
-            <a:r>
-              <a:rPr lang="en-US" dirty="0"/>
-              <a:t>Click to edit Master text styles</a:t>
-            </a:r>
-          </a:p>
-          <a:p>
-            <a:pPr lvl="1"/>
-            <a:r>
-              <a:rPr lang="en-US" dirty="0"/>
-              <a:t>Second level</a:t>
-            </a:r>
-          </a:p>
-          <a:p>
-            <a:pPr lvl="2"/>
-            <a:r>
-              <a:rPr lang="en-US" dirty="0"/>
-              <a:t>Third level</a:t>
-            </a:r>
-          </a:p>
-          <a:p>
-            <a:pPr lvl="3"/>
-            <a:r>
-              <a:rPr lang="en-US" dirty="0"/>
-              <a:t>Fourth level</a:t>
-            </a:r>
-          </a:p>
-          <a:p>
-            <a:pPr lvl="4"/>
-            <a:r>
-              <a:rPr lang="en-US" dirty="0"/>
-              <a:t>Fifth level</a:t>
-            </a:r>
-            <a:endParaRPr dirty="0"/>
-          </a:p>
-        </p:txBody>
-      </p:sp>
-      <p:sp>
-        <p:nvSpPr>
-          <p:cNvPr id="14" name="Title Placeholder 1"/>
-          <p:cNvSpPr>
-            <a:spLocks noGrp="1"/>
-          </p:cNvSpPr>
-          <p:nvPr>
-            <p:ph type="title"/>
-          </p:nvPr>
-        </p:nvSpPr>
-        <p:spPr>
-          <a:xfrm>
-            <a:off x="685800" y="76200"/>
-            <a:ext cx="7315200" cy="808038"/>
-          </a:xfrm>
-          <a:prstGeom prst="rect">
-            <a:avLst/>
-          </a:prstGeom>
-        </p:spPr>
-        <p:txBody>
-          <a:bodyPr vert="horz" lIns="91440" tIns="45720" rIns="91440" bIns="45720" rtlCol="0" anchor="ctr" anchorCtr="0">
-            <a:noAutofit/>
-          </a:bodyPr>
-          <a:lstStyle/>
-          <a:p>
-            <a:r>
-              <a:rPr lang="en-US" dirty="0"/>
-              <a:t>Click to edit Master title style</a:t>
-            </a:r>
-            <a:endParaRPr dirty="0"/>
-          </a:p>
-        </p:txBody>
-      </p:sp>
-      <p:sp>
-        <p:nvSpPr>
           <p:cNvPr id="15" name="Footer Placeholder 4"/>
           <p:cNvSpPr>
             <a:spLocks noGrp="1"/>
@@ -1842,46 +1662,6 @@
               </a:rPr>
               <a:t>TD Asset Management </a:t>
             </a:r>
-          </a:p>
-        </p:txBody>
-      </p:sp>
-      <p:sp>
-        <p:nvSpPr>
-          <p:cNvPr id="19" name="Slide Number Placeholder 5"/>
-          <p:cNvSpPr>
-            <a:spLocks noGrp="1"/>
-          </p:cNvSpPr>
-          <p:nvPr>
-            <p:ph type="sldNum" sz="quarter" idx="4"/>
-          </p:nvPr>
-        </p:nvSpPr>
-        <p:spPr>
-          <a:xfrm>
-            <a:off x="8193881" y="6572250"/>
-            <a:ext cx="694532" cy="279400"/>
-          </a:xfrm>
-          <a:prstGeom prst="rect">
-            <a:avLst/>
-          </a:prstGeom>
-        </p:spPr>
-        <p:txBody>
-          <a:bodyPr vert="horz" lIns="91440" tIns="45720" rIns="91440" bIns="45720" rtlCol="0" anchor="ctr"/>
-          <a:lstStyle>
-            <a:lvl1pPr algn="r">
-              <a:defRPr sz="1000">
-                <a:solidFill>
-                  <a:srgbClr val="000000"/>
-                </a:solidFill>
-              </a:defRPr>
-            </a:lvl1pPr>
-          </a:lstStyle>
-          <a:p>
-            <a:fld id="{5CBDBD4D-7B7B-4EC0-AB6E-424933B04FED}" type="slidenum">
-              <a:rPr lang="en-US" smtClean="0"/>
-              <a:pPr/>
-              <a:t>‹#›</a:t>
-            </a:fld>
-            <a:endParaRPr lang="en-US" dirty="0"/>
           </a:p>
         </p:txBody>
       </p:sp>
@@ -2389,7 +2169,15 @@
           <a:bodyPr vert="horz" lIns="91440" tIns="45720" rIns="91440" bIns="45720" rtlCol="0" anchor="ctr" anchorCtr="0">
             <a:noAutofit/>
           </a:bodyPr>
-          <a:lstStyle/>
+          <a:lstStyle>
+            <a:lvl1pPr>
+              <a:defRPr>
+                <a:solidFill>
+                  <a:srgbClr val="EDE7DF"/>
+                </a:solidFill>
+              </a:defRPr>
+            </a:lvl1pPr>
+          </a:lstStyle>
           <a:p>
             <a:r>
               <a:rPr lang="en-US" dirty="0"/>
@@ -4561,141 +4349,37 @@
       </p:grpSpPr>
       <p:sp>
         <p:nvSpPr>
-          <p:cNvPr id="4" name="Title 3"/>
+          <p:cNvPr id="2" name="Footer Placeholder 1">
+            <a:extLst>
+              <a:ext uri="{FF2B5EF4-FFF2-40B4-BE49-F238E27FC236}">
+                <a16:creationId xmlns:a16="http://schemas.microsoft.com/office/drawing/2014/main" id="{531CCC63-9B74-1DC7-03F6-88C660D56F73}"/>
+              </a:ext>
+            </a:extLst>
+          </p:cNvPr>
           <p:cNvSpPr>
             <a:spLocks noGrp="1"/>
           </p:cNvSpPr>
           <p:nvPr>
-            <p:ph type="ctrTitle"/>
+            <p:ph type="ftr" sz="quarter" idx="3"/>
           </p:nvPr>
         </p:nvSpPr>
-        <p:spPr>
-          <a:xfrm>
-            <a:off x="3486905" y="1350069"/>
-            <a:ext cx="5581681" cy="1822662"/>
-          </a:xfrm>
-        </p:spPr>
+        <p:spPr/>
         <p:txBody>
-          <a:bodyPr anchor="ctr"/>
+          <a:bodyPr/>
           <a:lstStyle/>
           <a:p>
-            <a:endParaRPr lang="en-US" sz="3000" dirty="0"/>
-          </a:p>
-        </p:txBody>
-      </p:sp>
-      <p:sp>
-        <p:nvSpPr>
-          <p:cNvPr id="5" name="Subtitle 4"/>
-          <p:cNvSpPr>
-            <a:spLocks noGrp="1"/>
-          </p:cNvSpPr>
-          <p:nvPr>
-            <p:ph type="subTitle" idx="1"/>
-          </p:nvPr>
-        </p:nvSpPr>
-        <p:spPr>
-          <a:xfrm>
-            <a:off x="3578597" y="3588920"/>
-            <a:ext cx="2608352" cy="523220"/>
-          </a:xfrm>
-        </p:spPr>
-        <p:txBody>
-          <a:bodyPr anchor="ctr"/>
-          <a:lstStyle/>
-          <a:p>
-            <a:pPr fontAlgn="base">
-              <a:lnSpc>
-                <a:spcPct val="110000"/>
-              </a:lnSpc>
-              <a:spcBef>
-                <a:spcPct val="0"/>
-              </a:spcBef>
-              <a:spcAft>
-                <a:spcPct val="0"/>
-              </a:spcAft>
-            </a:pPr>
-            <a:fld id="{901BAF96-7203-45F6-8A64-BB5EEC7D1154}" type="datetime4">
+            <a:r>
               <a:rPr lang="en-US">
                 <a:solidFill>
-                  <a:schemeClr val="tx1"/>
+                  <a:srgbClr val="000000"/>
                 </a:solidFill>
-                <a:latin typeface="+mn-lt"/>
-                <a:cs typeface="Arial" charset="0"/>
               </a:rPr>
-              <a:pPr fontAlgn="base">
-                <a:lnSpc>
-                  <a:spcPct val="110000"/>
-                </a:lnSpc>
-                <a:spcBef>
-                  <a:spcPct val="0"/>
-                </a:spcBef>
-                <a:spcAft>
-                  <a:spcPct val="0"/>
-                </a:spcAft>
-              </a:pPr>
-              <a:t>August 26, 2024</a:t>
-            </a:fld>
+              <a:t>TD Asset Management </a:t>
+            </a:r>
             <a:endParaRPr lang="en-US" dirty="0">
-              <a:solidFill>
-                <a:schemeClr val="tx1"/>
-              </a:solidFill>
-              <a:latin typeface="+mn-lt"/>
-              <a:cs typeface="Arial" charset="0"/>
-            </a:endParaRPr>
-          </a:p>
-        </p:txBody>
-      </p:sp>
-      <p:sp>
-        <p:nvSpPr>
-          <p:cNvPr id="8" name="Rectangle 7"/>
-          <p:cNvSpPr/>
-          <p:nvPr/>
-        </p:nvSpPr>
-        <p:spPr>
-          <a:xfrm>
-            <a:off x="3486905" y="4448164"/>
-            <a:ext cx="3415340" cy="553998"/>
-          </a:xfrm>
-          <a:prstGeom prst="rect">
-            <a:avLst/>
-          </a:prstGeom>
-        </p:spPr>
-        <p:txBody>
-          <a:bodyPr wrap="square" anchor="ctr">
-            <a:spAutoFit/>
-          </a:bodyPr>
-          <a:lstStyle/>
-          <a:p>
-            <a:pPr fontAlgn="base">
-              <a:spcBef>
-                <a:spcPct val="0"/>
-              </a:spcBef>
-              <a:spcAft>
-                <a:spcPct val="0"/>
-              </a:spcAft>
-            </a:pPr>
-            <a:r>
-              <a:rPr lang="en-US" sz="1600" dirty="0">
-                <a:cs typeface="Arial" charset="0"/>
-              </a:rPr>
-              <a:t>TDAM Asset Allocation Research</a:t>
-            </a:r>
-          </a:p>
-          <a:p>
-            <a:pPr fontAlgn="base">
-              <a:spcBef>
-                <a:spcPct val="0"/>
-              </a:spcBef>
-              <a:spcAft>
-                <a:spcPct val="0"/>
-              </a:spcAft>
-            </a:pPr>
-            <a:endParaRPr lang="en-US" sz="1400" dirty="0">
               <a:solidFill>
                 <a:srgbClr val="000000"/>
               </a:solidFill>
-              <a:ea typeface="ＭＳ Ｐゴシック" charset="0"/>
-              <a:cs typeface="Arial" charset="0"/>
             </a:endParaRPr>
           </a:p>
         </p:txBody>
@@ -4703,7 +4387,7 @@
     </p:spTree>
     <p:extLst>
       <p:ext uri="{BB962C8B-B14F-4D97-AF65-F5344CB8AC3E}">
-        <p14:creationId xmlns:p14="http://schemas.microsoft.com/office/powerpoint/2010/main" val="322754889"/>
+        <p14:creationId xmlns:p14="http://schemas.microsoft.com/office/powerpoint/2010/main" val="4198715769"/>
       </p:ext>
     </p:extLst>
   </p:cSld>
